--- a/doc/20240122.pptx
+++ b/doc/20240122.pptx
@@ -219,7 +219,7 @@
           <a:p>
             <a:fld id="{0F9B84EA-7D68-4D60-9CB1-D50884785D1C}" type="datetimeFigureOut">
               <a:rPr lang="zh-CN" altLang="en-US" smtClean="0"/>
-              <a:t>2024.1.23, Tuesday</a:t>
+              <a:t>2024.1.25, Thursday</a:t>
             </a:fld>
             <a:endParaRPr lang="zh-CN" altLang="en-US"/>
           </a:p>
@@ -384,7 +384,7 @@
           <a:p>
             <a:fld id="{D6C8D182-E4C8-4120-9249-FC9774456FFA}" type="datetimeFigureOut">
               <a:rPr lang="zh-CN" altLang="en-US" smtClean="0"/>
-              <a:t>2024.1.23, Tuesday</a:t>
+              <a:t>2024.1.25, Thursday</a:t>
             </a:fld>
             <a:endParaRPr lang="zh-CN" altLang="en-US"/>
           </a:p>
@@ -718,7 +718,7 @@
           <a:p>
             <a:fld id="{760FBDFE-C587-4B4C-A407-44438C67B59E}" type="datetimeFigureOut">
               <a:rPr lang="zh-CN" altLang="en-US" smtClean="0"/>
-              <a:t>2024.1.23, Tuesday</a:t>
+              <a:t>2024.1.25, Thursday</a:t>
             </a:fld>
             <a:endParaRPr lang="zh-CN" altLang="en-US"/>
           </a:p>
@@ -884,7 +884,7 @@
           <a:p>
             <a:fld id="{760FBDFE-C587-4B4C-A407-44438C67B59E}" type="datetimeFigureOut">
               <a:rPr lang="zh-CN" altLang="en-US" smtClean="0"/>
-              <a:t>2024.1.23, Tuesday</a:t>
+              <a:t>2024.1.25, Thursday</a:t>
             </a:fld>
             <a:endParaRPr lang="zh-CN" altLang="en-US"/>
           </a:p>
@@ -1174,7 +1174,7 @@
           <a:p>
             <a:fld id="{760FBDFE-C587-4B4C-A407-44438C67B59E}" type="datetimeFigureOut">
               <a:rPr lang="zh-CN" altLang="en-US" smtClean="0"/>
-              <a:t>2024.1.23, Tuesday</a:t>
+              <a:t>2024.1.25, Thursday</a:t>
             </a:fld>
             <a:endParaRPr lang="zh-CN" altLang="en-US"/>
           </a:p>
@@ -1418,7 +1418,7 @@
           <a:p>
             <a:fld id="{760FBDFE-C587-4B4C-A407-44438C67B59E}" type="datetimeFigureOut">
               <a:rPr lang="zh-CN" altLang="en-US" smtClean="0"/>
-              <a:t>2024.1.23, Tuesday</a:t>
+              <a:t>2024.1.25, Thursday</a:t>
             </a:fld>
             <a:endParaRPr lang="zh-CN" altLang="en-US"/>
           </a:p>
@@ -1791,7 +1791,7 @@
           <a:p>
             <a:fld id="{760FBDFE-C587-4B4C-A407-44438C67B59E}" type="datetimeFigureOut">
               <a:rPr lang="zh-CN" altLang="en-US" smtClean="0"/>
-              <a:t>2024.1.23, Tuesday</a:t>
+              <a:t>2024.1.25, Thursday</a:t>
             </a:fld>
             <a:endParaRPr lang="zh-CN" altLang="en-US"/>
           </a:p>
@@ -2154,7 +2154,7 @@
           <a:p>
             <a:fld id="{760FBDFE-C587-4B4C-A407-44438C67B59E}" type="datetimeFigureOut">
               <a:rPr lang="zh-CN" altLang="en-US" smtClean="0"/>
-              <a:t>2024.1.23, Tuesday</a:t>
+              <a:t>2024.1.25, Thursday</a:t>
             </a:fld>
             <a:endParaRPr lang="zh-CN" altLang="en-US"/>
           </a:p>
@@ -2279,7 +2279,7 @@
           <a:p>
             <a:fld id="{760FBDFE-C587-4B4C-A407-44438C67B59E}" type="datetimeFigureOut">
               <a:rPr lang="zh-CN" altLang="en-US" smtClean="0"/>
-              <a:t>2024.1.23, Tuesday</a:t>
+              <a:t>2024.1.25, Thursday</a:t>
             </a:fld>
             <a:endParaRPr lang="zh-CN" altLang="en-US"/>
           </a:p>
@@ -2369,7 +2369,7 @@
           <a:p>
             <a:fld id="{760FBDFE-C587-4B4C-A407-44438C67B59E}" type="datetimeFigureOut">
               <a:rPr lang="zh-CN" altLang="en-US" smtClean="0"/>
-              <a:t>2024.1.23, Tuesday</a:t>
+              <a:t>2024.1.25, Thursday</a:t>
             </a:fld>
             <a:endParaRPr lang="zh-CN" altLang="en-US"/>
           </a:p>
@@ -2652,7 +2652,7 @@
           <a:p>
             <a:fld id="{9EFD9D74-47D9-4702-A33C-335B63B48DBF}" type="datetimeFigureOut">
               <a:rPr lang="zh-CN" altLang="en-US" smtClean="0"/>
-              <a:t>2024.1.23, Tuesday</a:t>
+              <a:t>2024.1.25, Thursday</a:t>
             </a:fld>
             <a:endParaRPr lang="zh-CN" altLang="en-US" dirty="0"/>
           </a:p>
@@ -2831,7 +2831,7 @@
           <a:p>
             <a:fld id="{760FBDFE-C587-4B4C-A407-44438C67B59E}" type="datetimeFigureOut">
               <a:rPr lang="zh-CN" altLang="en-US" smtClean="0"/>
-              <a:t>2024.1.23, Tuesday</a:t>
+              <a:t>2024.1.25, Thursday</a:t>
             </a:fld>
             <a:endParaRPr lang="zh-CN" altLang="en-US"/>
           </a:p>
@@ -3042,7 +3042,7 @@
           <a:p>
             <a:fld id="{760FBDFE-C587-4B4C-A407-44438C67B59E}" type="datetimeFigureOut">
               <a:rPr lang="zh-CN" altLang="en-US" smtClean="0"/>
-              <a:t>2024.1.23, Tuesday</a:t>
+              <a:t>2024.1.25, Thursday</a:t>
             </a:fld>
             <a:endParaRPr lang="zh-CN" altLang="en-US" dirty="0"/>
           </a:p>
@@ -5596,7 +5596,7 @@
         <p:spPr>
           <a:xfrm>
             <a:off x="685800" y="323215"/>
-            <a:ext cx="5148943" cy="584775"/>
+            <a:ext cx="5664200" cy="584775"/>
           </a:xfrm>
           <a:prstGeom prst="rect">
             <a:avLst/>
@@ -5614,7 +5614,7 @@
                 <a:latin typeface="Courier New Bold" panose="02070409020205090404" charset="0"/>
                 <a:cs typeface="Courier New Bold" panose="02070409020205090404" charset="0"/>
               </a:rPr>
-              <a:t>ONNX2X PARAM-MAPPING</a:t>
+              <a:t>ONNX2X PARAM-Alignment</a:t>
             </a:r>
             <a:endParaRPr lang="zh-CN" altLang="en-US" sz="3200" b="1" dirty="0">
               <a:latin typeface="Courier New Bold" panose="02070409020205090404" charset="0"/>
